--- a/introduction.pptx
+++ b/introduction.pptx
@@ -110,6 +110,11 @@
       </a:defRPr>
     </a:lvl9pPr>
   </p:defaultTextStyle>
+  <p:extLst>
+    <p:ext uri="{EFAFB233-063F-42B5-8137-9DF3F51BA10A}">
+      <p15:sldGuideLst xmlns:p15="http://schemas.microsoft.com/office/powerpoint/2012/main"/>
+    </p:ext>
+  </p:extLst>
 </p:presentation>
 </file>
 
@@ -244,7 +249,7 @@
           <a:p>
             <a:fld id="{0EB127D8-847D-45A6-AF3F-8DE6430FFBAE}" type="datetimeFigureOut">
               <a:rPr lang="zh-TW" altLang="en-US" smtClean="0"/>
-              <a:t>2017/3/26</a:t>
+              <a:t>2017/3/30</a:t>
             </a:fld>
             <a:endParaRPr lang="zh-TW" altLang="en-US"/>
           </a:p>
@@ -414,7 +419,7 @@
           <a:p>
             <a:fld id="{0EB127D8-847D-45A6-AF3F-8DE6430FFBAE}" type="datetimeFigureOut">
               <a:rPr lang="zh-TW" altLang="en-US" smtClean="0"/>
-              <a:t>2017/3/26</a:t>
+              <a:t>2017/3/30</a:t>
             </a:fld>
             <a:endParaRPr lang="zh-TW" altLang="en-US"/>
           </a:p>
@@ -594,7 +599,7 @@
           <a:p>
             <a:fld id="{0EB127D8-847D-45A6-AF3F-8DE6430FFBAE}" type="datetimeFigureOut">
               <a:rPr lang="zh-TW" altLang="en-US" smtClean="0"/>
-              <a:t>2017/3/26</a:t>
+              <a:t>2017/3/30</a:t>
             </a:fld>
             <a:endParaRPr lang="zh-TW" altLang="en-US"/>
           </a:p>
@@ -764,7 +769,7 @@
           <a:p>
             <a:fld id="{0EB127D8-847D-45A6-AF3F-8DE6430FFBAE}" type="datetimeFigureOut">
               <a:rPr lang="zh-TW" altLang="en-US" smtClean="0"/>
-              <a:t>2017/3/26</a:t>
+              <a:t>2017/3/30</a:t>
             </a:fld>
             <a:endParaRPr lang="zh-TW" altLang="en-US"/>
           </a:p>
@@ -1010,7 +1015,7 @@
           <a:p>
             <a:fld id="{0EB127D8-847D-45A6-AF3F-8DE6430FFBAE}" type="datetimeFigureOut">
               <a:rPr lang="zh-TW" altLang="en-US" smtClean="0"/>
-              <a:t>2017/3/26</a:t>
+              <a:t>2017/3/30</a:t>
             </a:fld>
             <a:endParaRPr lang="zh-TW" altLang="en-US"/>
           </a:p>
@@ -1242,7 +1247,7 @@
           <a:p>
             <a:fld id="{0EB127D8-847D-45A6-AF3F-8DE6430FFBAE}" type="datetimeFigureOut">
               <a:rPr lang="zh-TW" altLang="en-US" smtClean="0"/>
-              <a:t>2017/3/26</a:t>
+              <a:t>2017/3/30</a:t>
             </a:fld>
             <a:endParaRPr lang="zh-TW" altLang="en-US"/>
           </a:p>
@@ -1609,7 +1614,7 @@
           <a:p>
             <a:fld id="{0EB127D8-847D-45A6-AF3F-8DE6430FFBAE}" type="datetimeFigureOut">
               <a:rPr lang="zh-TW" altLang="en-US" smtClean="0"/>
-              <a:t>2017/3/26</a:t>
+              <a:t>2017/3/30</a:t>
             </a:fld>
             <a:endParaRPr lang="zh-TW" altLang="en-US"/>
           </a:p>
@@ -1727,7 +1732,7 @@
           <a:p>
             <a:fld id="{0EB127D8-847D-45A6-AF3F-8DE6430FFBAE}" type="datetimeFigureOut">
               <a:rPr lang="zh-TW" altLang="en-US" smtClean="0"/>
-              <a:t>2017/3/26</a:t>
+              <a:t>2017/3/30</a:t>
             </a:fld>
             <a:endParaRPr lang="zh-TW" altLang="en-US"/>
           </a:p>
@@ -1822,7 +1827,7 @@
           <a:p>
             <a:fld id="{0EB127D8-847D-45A6-AF3F-8DE6430FFBAE}" type="datetimeFigureOut">
               <a:rPr lang="zh-TW" altLang="en-US" smtClean="0"/>
-              <a:t>2017/3/26</a:t>
+              <a:t>2017/3/30</a:t>
             </a:fld>
             <a:endParaRPr lang="zh-TW" altLang="en-US"/>
           </a:p>
@@ -2099,7 +2104,7 @@
           <a:p>
             <a:fld id="{0EB127D8-847D-45A6-AF3F-8DE6430FFBAE}" type="datetimeFigureOut">
               <a:rPr lang="zh-TW" altLang="en-US" smtClean="0"/>
-              <a:t>2017/3/26</a:t>
+              <a:t>2017/3/30</a:t>
             </a:fld>
             <a:endParaRPr lang="zh-TW" altLang="en-US"/>
           </a:p>
@@ -2352,7 +2357,7 @@
           <a:p>
             <a:fld id="{0EB127D8-847D-45A6-AF3F-8DE6430FFBAE}" type="datetimeFigureOut">
               <a:rPr lang="zh-TW" altLang="en-US" smtClean="0"/>
-              <a:t>2017/3/26</a:t>
+              <a:t>2017/3/30</a:t>
             </a:fld>
             <a:endParaRPr lang="zh-TW" altLang="en-US"/>
           </a:p>
@@ -2565,7 +2570,7 @@
           <a:p>
             <a:fld id="{0EB127D8-847D-45A6-AF3F-8DE6430FFBAE}" type="datetimeFigureOut">
               <a:rPr lang="zh-TW" altLang="en-US" smtClean="0"/>
-              <a:t>2017/3/26</a:t>
+              <a:t>2017/3/30</a:t>
             </a:fld>
             <a:endParaRPr lang="zh-TW" altLang="en-US"/>
           </a:p>
@@ -3228,6 +3233,58 @@
           <a:chExt cx="0" cy="0"/>
         </a:xfrm>
       </p:grpSpPr>
+      <p:sp>
+        <p:nvSpPr>
+          <p:cNvPr id="18" name="矩形 17"/>
+          <p:cNvSpPr/>
+          <p:nvPr/>
+        </p:nvSpPr>
+        <p:spPr>
+          <a:xfrm>
+            <a:off x="636104" y="0"/>
+            <a:ext cx="11089171" cy="6858000"/>
+          </a:xfrm>
+          <a:prstGeom prst="rect">
+            <a:avLst/>
+          </a:prstGeom>
+          <a:solidFill>
+            <a:schemeClr val="tx1">
+              <a:lumMod val="95000"/>
+              <a:lumOff val="5000"/>
+              <a:alpha val="70000"/>
+            </a:schemeClr>
+          </a:solidFill>
+          <a:ln>
+            <a:solidFill>
+              <a:schemeClr val="bg1"/>
+            </a:solidFill>
+          </a:ln>
+        </p:spPr>
+        <p:style>
+          <a:lnRef idx="2">
+            <a:schemeClr val="accent1">
+              <a:shade val="50000"/>
+            </a:schemeClr>
+          </a:lnRef>
+          <a:fillRef idx="1">
+            <a:schemeClr val="accent1"/>
+          </a:fillRef>
+          <a:effectRef idx="0">
+            <a:schemeClr val="accent1"/>
+          </a:effectRef>
+          <a:fontRef idx="minor">
+            <a:schemeClr val="lt1"/>
+          </a:fontRef>
+        </p:style>
+        <p:txBody>
+          <a:bodyPr rtlCol="0" anchor="ctr"/>
+          <a:lstStyle/>
+          <a:p>
+            <a:pPr algn="ctr"/>
+            <a:endParaRPr lang="zh-TW" altLang="en-US"/>
+          </a:p>
+        </p:txBody>
+      </p:sp>
       <p:pic>
         <p:nvPicPr>
           <p:cNvPr id="46" name="圖片 45"/>
@@ -3826,14 +3883,14 @@
       </p:grpSpPr>
       <p:sp>
         <p:nvSpPr>
-          <p:cNvPr id="34" name="矩形 33"/>
+          <p:cNvPr id="7" name="矩形 6"/>
           <p:cNvSpPr/>
           <p:nvPr/>
         </p:nvSpPr>
         <p:spPr>
           <a:xfrm>
-            <a:off x="7868955" y="0"/>
-            <a:ext cx="3856320" cy="6858000"/>
+            <a:off x="636104" y="0"/>
+            <a:ext cx="11089171" cy="6858000"/>
           </a:xfrm>
           <a:prstGeom prst="rect">
             <a:avLst/>
@@ -4323,13 +4380,13 @@
           <a:lstStyle/>
           <a:p>
             <a:pPr algn="ctr"/>
-            <a:endParaRPr lang="zh-TW" altLang="en-US"/>
+            <a:endParaRPr lang="zh-TW" altLang="en-US" dirty="0"/>
           </a:p>
         </p:txBody>
       </p:sp>
       <p:pic>
         <p:nvPicPr>
-          <p:cNvPr id="8" name="圖片 7"/>
+          <p:cNvPr id="2" name="圖片 1"/>
           <p:cNvPicPr>
             <a:picLocks noChangeAspect="1"/>
           </p:cNvPicPr>
@@ -4343,8 +4400,8 @@
         </p:blipFill>
         <p:spPr>
           <a:xfrm>
-            <a:off x="2990850" y="1997023"/>
-            <a:ext cx="6553200" cy="923925"/>
+            <a:off x="2946625" y="1985924"/>
+            <a:ext cx="6686550" cy="942975"/>
           </a:xfrm>
           <a:prstGeom prst="rect">
             <a:avLst/>
@@ -4886,52 +4943,9 @@
           </a:p>
         </p:txBody>
       </p:sp>
-      <p:sp>
-        <p:nvSpPr>
-          <p:cNvPr id="3" name="文字方塊 2"/>
-          <p:cNvSpPr txBox="1"/>
-          <p:nvPr/>
-        </p:nvSpPr>
-        <p:spPr>
-          <a:xfrm>
-            <a:off x="636103" y="339665"/>
-            <a:ext cx="11089171" cy="584775"/>
-          </a:xfrm>
-          <a:prstGeom prst="rect">
-            <a:avLst/>
-          </a:prstGeom>
-          <a:noFill/>
-        </p:spPr>
-        <p:txBody>
-          <a:bodyPr wrap="square" rtlCol="0">
-            <a:spAutoFit/>
-          </a:bodyPr>
-          <a:lstStyle/>
-          <a:p>
-            <a:pPr algn="ctr"/>
-            <a:r>
-              <a:rPr lang="zh-CN" altLang="en-US" sz="3200" dirty="0" smtClean="0">
-                <a:solidFill>
-                  <a:schemeClr val="bg1"/>
-                </a:solidFill>
-                <a:latin typeface="標楷體" panose="03000509000000000000" pitchFamily="65" charset="-120"/>
-                <a:ea typeface="標楷體" panose="03000509000000000000" pitchFamily="65" charset="-120"/>
-              </a:rPr>
-              <a:t>新商品推薦</a:t>
-            </a:r>
-            <a:endParaRPr lang="zh-TW" altLang="en-US" sz="3200" dirty="0">
-              <a:solidFill>
-                <a:schemeClr val="bg1"/>
-              </a:solidFill>
-              <a:latin typeface="標楷體" panose="03000509000000000000" pitchFamily="65" charset="-120"/>
-              <a:ea typeface="標楷體" panose="03000509000000000000" pitchFamily="65" charset="-120"/>
-            </a:endParaRPr>
-          </a:p>
-        </p:txBody>
-      </p:sp>
       <p:pic>
         <p:nvPicPr>
-          <p:cNvPr id="2" name="圖片 1"/>
+          <p:cNvPr id="5" name="圖片 4"/>
           <p:cNvPicPr>
             <a:picLocks noChangeAspect="1"/>
           </p:cNvPicPr>
@@ -4945,14 +4959,57 @@
         </p:blipFill>
         <p:spPr>
           <a:xfrm>
-            <a:off x="2537644" y="1048662"/>
-            <a:ext cx="6762750" cy="3295650"/>
+            <a:off x="2498407" y="1025052"/>
+            <a:ext cx="6829425" cy="3257550"/>
           </a:xfrm>
           <a:prstGeom prst="rect">
             <a:avLst/>
           </a:prstGeom>
         </p:spPr>
       </p:pic>
+      <p:sp>
+        <p:nvSpPr>
+          <p:cNvPr id="3" name="文字方塊 2"/>
+          <p:cNvSpPr txBox="1"/>
+          <p:nvPr/>
+        </p:nvSpPr>
+        <p:spPr>
+          <a:xfrm>
+            <a:off x="636103" y="339665"/>
+            <a:ext cx="11089171" cy="584775"/>
+          </a:xfrm>
+          <a:prstGeom prst="rect">
+            <a:avLst/>
+          </a:prstGeom>
+          <a:noFill/>
+        </p:spPr>
+        <p:txBody>
+          <a:bodyPr wrap="square" rtlCol="0">
+            <a:spAutoFit/>
+          </a:bodyPr>
+          <a:lstStyle/>
+          <a:p>
+            <a:pPr algn="ctr"/>
+            <a:r>
+              <a:rPr lang="zh-CN" altLang="en-US" sz="3200" dirty="0" smtClean="0">
+                <a:solidFill>
+                  <a:schemeClr val="bg1"/>
+                </a:solidFill>
+                <a:latin typeface="標楷體" panose="03000509000000000000" pitchFamily="65" charset="-120"/>
+                <a:ea typeface="標楷體" panose="03000509000000000000" pitchFamily="65" charset="-120"/>
+              </a:rPr>
+              <a:t>新商品推薦</a:t>
+            </a:r>
+            <a:endParaRPr lang="zh-TW" altLang="en-US" sz="3200" dirty="0">
+              <a:solidFill>
+                <a:schemeClr val="bg1"/>
+              </a:solidFill>
+              <a:latin typeface="標楷體" panose="03000509000000000000" pitchFamily="65" charset="-120"/>
+              <a:ea typeface="標楷體" panose="03000509000000000000" pitchFamily="65" charset="-120"/>
+            </a:endParaRPr>
+          </a:p>
+        </p:txBody>
+      </p:sp>
       <p:sp>
         <p:nvSpPr>
           <p:cNvPr id="9" name="矩形 8"/>
@@ -5549,17 +5606,7 @@
                 <a:latin typeface="標楷體" panose="03000509000000000000" pitchFamily="65" charset="-120"/>
                 <a:ea typeface="標楷體" panose="03000509000000000000" pitchFamily="65" charset="-120"/>
               </a:rPr>
-              <a:t>主標題</a:t>
-            </a:r>
-            <a:r>
-              <a:rPr lang="zh-CN" altLang="en-US" dirty="0" smtClean="0">
-                <a:solidFill>
-                  <a:schemeClr val="bg1"/>
-                </a:solidFill>
-                <a:latin typeface="標楷體" panose="03000509000000000000" pitchFamily="65" charset="-120"/>
-                <a:ea typeface="標楷體" panose="03000509000000000000" pitchFamily="65" charset="-120"/>
-              </a:rPr>
-              <a:t>大小為</a:t>
+              <a:t>主標題大小為</a:t>
             </a:r>
             <a:r>
               <a:rPr lang="en-US" altLang="zh-CN" dirty="0" smtClean="0">
@@ -5798,7 +5845,7 @@
         <p:spPr>
           <a:xfrm>
             <a:off x="2531744" y="5091289"/>
-            <a:ext cx="6762750" cy="1754326"/>
+            <a:ext cx="6762750" cy="2031325"/>
           </a:xfrm>
           <a:prstGeom prst="rect">
             <a:avLst/>
@@ -5833,7 +5880,60 @@
                 <a:latin typeface="標楷體" panose="03000509000000000000" pitchFamily="65" charset="-120"/>
                 <a:ea typeface="標楷體" panose="03000509000000000000" pitchFamily="65" charset="-120"/>
               </a:rPr>
-              <a:t>標題旁邊設計一條綠色直線讓標題文字更明顯。</a:t>
+              <a:t>標題旁邊設計一條綠色直線讓標題文字更明顯</a:t>
+            </a:r>
+            <a:r>
+              <a:rPr lang="zh-CN" altLang="en-US" dirty="0" smtClean="0">
+                <a:solidFill>
+                  <a:schemeClr val="bg1"/>
+                </a:solidFill>
+                <a:latin typeface="標楷體" panose="03000509000000000000" pitchFamily="65" charset="-120"/>
+                <a:ea typeface="標楷體" panose="03000509000000000000" pitchFamily="65" charset="-120"/>
+              </a:rPr>
+              <a:t>。</a:t>
+            </a:r>
+            <a:endParaRPr lang="en-US" altLang="zh-CN" dirty="0" smtClean="0">
+              <a:solidFill>
+                <a:schemeClr val="bg1"/>
+              </a:solidFill>
+              <a:latin typeface="標楷體" panose="03000509000000000000" pitchFamily="65" charset="-120"/>
+              <a:ea typeface="標楷體" panose="03000509000000000000" pitchFamily="65" charset="-120"/>
+            </a:endParaRPr>
+          </a:p>
+          <a:p>
+            <a:pPr marL="285750" indent="-285750">
+              <a:buFont typeface="Arial" panose="020B0604020202020204" pitchFamily="34" charset="0"/>
+              <a:buChar char="•"/>
+            </a:pPr>
+            <a:r>
+              <a:rPr lang="zh-CN" altLang="en-US" dirty="0">
+                <a:solidFill>
+                  <a:schemeClr val="bg1"/>
+                </a:solidFill>
+                <a:latin typeface="標楷體" panose="03000509000000000000" pitchFamily="65" charset="-120"/>
+                <a:ea typeface="標楷體" panose="03000509000000000000" pitchFamily="65" charset="-120"/>
+              </a:rPr>
+              <a:t>其</a:t>
+            </a:r>
+            <a:r>
+              <a:rPr lang="zh-CN" altLang="en-US" dirty="0" smtClean="0">
+                <a:solidFill>
+                  <a:schemeClr val="bg1"/>
+                </a:solidFill>
+                <a:latin typeface="標楷體" panose="03000509000000000000" pitchFamily="65" charset="-120"/>
+                <a:ea typeface="標楷體" panose="03000509000000000000" pitchFamily="65" charset="-120"/>
+              </a:rPr>
+              <a:t>圖片文字大小為</a:t>
+            </a:r>
+            <a:r>
+              <a:rPr lang="en-US" altLang="zh-CN" dirty="0" smtClean="0">
+                <a:solidFill>
+                  <a:schemeClr val="bg1"/>
+                </a:solidFill>
+                <a:latin typeface="標楷體" panose="03000509000000000000" pitchFamily="65" charset="-120"/>
+                <a:ea typeface="標楷體" panose="03000509000000000000" pitchFamily="65" charset="-120"/>
+              </a:rPr>
+              <a:t>24px</a:t>
             </a:r>
             <a:endParaRPr lang="en-US" altLang="zh-CN" dirty="0" smtClean="0">
               <a:solidFill>
